--- a/CourtaudPPT/PPT_Presentation.pptx
+++ b/CourtaudPPT/PPT_Presentation.pptx
@@ -266,7 +266,7 @@
           <a:p>
             <a:fld id="{1F2C9CF0-2E2B-514D-9DCA-0107DE9C48E8}" type="datetimeFigureOut">
               <a:rPr lang="fr-FR" smtClean="0"/>
-              <a:t>01/12/2019</a:t>
+              <a:t>02/12/2019</a:t>
             </a:fld>
             <a:endParaRPr lang="fr-FR"/>
           </a:p>
@@ -464,7 +464,7 @@
           <a:p>
             <a:fld id="{1F2C9CF0-2E2B-514D-9DCA-0107DE9C48E8}" type="datetimeFigureOut">
               <a:rPr lang="fr-FR" smtClean="0"/>
-              <a:t>01/12/2019</a:t>
+              <a:t>02/12/2019</a:t>
             </a:fld>
             <a:endParaRPr lang="fr-FR"/>
           </a:p>
@@ -672,7 +672,7 @@
           <a:p>
             <a:fld id="{1F2C9CF0-2E2B-514D-9DCA-0107DE9C48E8}" type="datetimeFigureOut">
               <a:rPr lang="fr-FR" smtClean="0"/>
-              <a:t>01/12/2019</a:t>
+              <a:t>02/12/2019</a:t>
             </a:fld>
             <a:endParaRPr lang="fr-FR"/>
           </a:p>
@@ -870,7 +870,7 @@
           <a:p>
             <a:fld id="{1F2C9CF0-2E2B-514D-9DCA-0107DE9C48E8}" type="datetimeFigureOut">
               <a:rPr lang="fr-FR" smtClean="0"/>
-              <a:t>01/12/2019</a:t>
+              <a:t>02/12/2019</a:t>
             </a:fld>
             <a:endParaRPr lang="fr-FR"/>
           </a:p>
@@ -1145,7 +1145,7 @@
           <a:p>
             <a:fld id="{1F2C9CF0-2E2B-514D-9DCA-0107DE9C48E8}" type="datetimeFigureOut">
               <a:rPr lang="fr-FR" smtClean="0"/>
-              <a:t>01/12/2019</a:t>
+              <a:t>02/12/2019</a:t>
             </a:fld>
             <a:endParaRPr lang="fr-FR"/>
           </a:p>
@@ -1410,7 +1410,7 @@
           <a:p>
             <a:fld id="{1F2C9CF0-2E2B-514D-9DCA-0107DE9C48E8}" type="datetimeFigureOut">
               <a:rPr lang="fr-FR" smtClean="0"/>
-              <a:t>01/12/2019</a:t>
+              <a:t>02/12/2019</a:t>
             </a:fld>
             <a:endParaRPr lang="fr-FR"/>
           </a:p>
@@ -1822,7 +1822,7 @@
           <a:p>
             <a:fld id="{1F2C9CF0-2E2B-514D-9DCA-0107DE9C48E8}" type="datetimeFigureOut">
               <a:rPr lang="fr-FR" smtClean="0"/>
-              <a:t>01/12/2019</a:t>
+              <a:t>02/12/2019</a:t>
             </a:fld>
             <a:endParaRPr lang="fr-FR"/>
           </a:p>
@@ -1963,7 +1963,7 @@
           <a:p>
             <a:fld id="{1F2C9CF0-2E2B-514D-9DCA-0107DE9C48E8}" type="datetimeFigureOut">
               <a:rPr lang="fr-FR" smtClean="0"/>
-              <a:t>01/12/2019</a:t>
+              <a:t>02/12/2019</a:t>
             </a:fld>
             <a:endParaRPr lang="fr-FR"/>
           </a:p>
@@ -2076,7 +2076,7 @@
           <a:p>
             <a:fld id="{1F2C9CF0-2E2B-514D-9DCA-0107DE9C48E8}" type="datetimeFigureOut">
               <a:rPr lang="fr-FR" smtClean="0"/>
-              <a:t>01/12/2019</a:t>
+              <a:t>02/12/2019</a:t>
             </a:fld>
             <a:endParaRPr lang="fr-FR"/>
           </a:p>
@@ -2387,7 +2387,7 @@
           <a:p>
             <a:fld id="{1F2C9CF0-2E2B-514D-9DCA-0107DE9C48E8}" type="datetimeFigureOut">
               <a:rPr lang="fr-FR" smtClean="0"/>
-              <a:t>01/12/2019</a:t>
+              <a:t>02/12/2019</a:t>
             </a:fld>
             <a:endParaRPr lang="fr-FR"/>
           </a:p>
@@ -2675,7 +2675,7 @@
           <a:p>
             <a:fld id="{1F2C9CF0-2E2B-514D-9DCA-0107DE9C48E8}" type="datetimeFigureOut">
               <a:rPr lang="fr-FR" smtClean="0"/>
-              <a:t>01/12/2019</a:t>
+              <a:t>02/12/2019</a:t>
             </a:fld>
             <a:endParaRPr lang="fr-FR"/>
           </a:p>
@@ -2916,7 +2916,7 @@
           <a:p>
             <a:fld id="{1F2C9CF0-2E2B-514D-9DCA-0107DE9C48E8}" type="datetimeFigureOut">
               <a:rPr lang="fr-FR" smtClean="0"/>
-              <a:t>01/12/2019</a:t>
+              <a:t>02/12/2019</a:t>
             </a:fld>
             <a:endParaRPr lang="fr-FR"/>
           </a:p>
@@ -3666,13 +3666,13 @@
   <p:clrMapOvr>
     <a:masterClrMapping/>
   </p:clrMapOvr>
-  <mc:AlternateContent xmlns:mc="http://schemas.openxmlformats.org/markup-compatibility/2006">
-    <mc:Choice xmlns:p14="http://schemas.microsoft.com/office/powerpoint/2010/main" Requires="p14">
+  <mc:AlternateContent xmlns:mc="http://schemas.openxmlformats.org/markup-compatibility/2006" xmlns:p14="http://schemas.microsoft.com/office/powerpoint/2010/main">
+    <mc:Choice Requires="p14">
       <p:transition spd="slow" p14:dur="1500">
         <p:split orient="vert"/>
       </p:transition>
     </mc:Choice>
-    <mc:Fallback>
+    <mc:Fallback xmlns="">
       <p:transition spd="slow">
         <p:split orient="vert"/>
       </p:transition>
@@ -3758,7 +3758,7 @@
               <a:rPr lang="fr-FR" sz="2400" dirty="0">
                 <a:latin typeface="Product Sans" panose="020B0503030502040203" pitchFamily="34" charset="0"/>
               </a:rPr>
-              <a:t>Créer une page web avec laquelle nous pouvons « interagir oralement »</a:t>
+              <a:t>Construire une page web à l’aide de la voix</a:t>
             </a:r>
           </a:p>
           <a:p>
@@ -3806,7 +3806,7 @@
               <a:rPr lang="fr-FR" sz="1800" dirty="0">
                 <a:latin typeface="Product Sans" panose="020B0503030502040203" pitchFamily="34" charset="0"/>
               </a:rPr>
-              <a:t>Générer des boutons en stipulant leur contenu en texte et couleur</a:t>
+              <a:t>Générer des éléments en stipulant leur contenu en texte et couleur</a:t>
             </a:r>
           </a:p>
           <a:p>
@@ -3830,7 +3830,7 @@
               <a:rPr lang="fr-FR" sz="1800" dirty="0">
                 <a:latin typeface="Product Sans" panose="020B0503030502040203" pitchFamily="34" charset="0"/>
               </a:rPr>
-              <a:t>Pouvoir ajouter, déplacer, modifier ou supprimer le bouton oralement</a:t>
+              <a:t>Pouvoir ajouter, déplacer, modifier ou supprimer un élément oralement</a:t>
             </a:r>
           </a:p>
           <a:p>
@@ -3842,7 +3842,7 @@
               <a:rPr lang="fr-FR" sz="1800" dirty="0">
                 <a:latin typeface="Product Sans" panose="020B0503030502040203" pitchFamily="34" charset="0"/>
               </a:rPr>
-              <a:t>Pouvoir créer une multitude de bouton dans cette même zone </a:t>
+              <a:t>Pouvoir créer une multitude d’éléments dans une zone </a:t>
             </a:r>
           </a:p>
         </p:txBody>
@@ -4036,13 +4036,13 @@
   <p:clrMapOvr>
     <a:masterClrMapping/>
   </p:clrMapOvr>
-  <mc:AlternateContent xmlns:mc="http://schemas.openxmlformats.org/markup-compatibility/2006">
-    <mc:Choice xmlns:p14="http://schemas.microsoft.com/office/powerpoint/2010/main" Requires="p14">
+  <mc:AlternateContent xmlns:mc="http://schemas.openxmlformats.org/markup-compatibility/2006" xmlns:p14="http://schemas.microsoft.com/office/powerpoint/2010/main">
+    <mc:Choice Requires="p14">
       <p:transition spd="slow" p14:dur="3400">
         <p14:reveal/>
       </p:transition>
     </mc:Choice>
-    <mc:Fallback>
+    <mc:Fallback xmlns="">
       <p:transition spd="slow">
         <p:fade/>
       </p:transition>
@@ -4371,7 +4371,7 @@
               <a:rPr lang="fr-FR" sz="2400" dirty="0">
                 <a:latin typeface="Product Sans" panose="020B0503030502040203" pitchFamily="34" charset="0"/>
               </a:rPr>
-              <a:t>Cette dernière reconnait 120 langues et variantes. On peut activer la commande vocale, transcrire des contenus audio basé sur la technologie de machine Learning de Google pour traiter des flux en temps réel et des fichiers audio préenregistrés.</a:t>
+              <a:t>Cette dernière reconnait 120 langues et variantes. On peut activer la commande vocale, transcrire des contenus audio basé sur la technologie de machine Learning de Google pour traiter des flux en temps réel et des fichiers audio préenregistrés via des requêtes HTTP.</a:t>
             </a:r>
           </a:p>
         </p:txBody>
@@ -4590,10 +4590,10 @@
       </p:pic>
       <p:pic>
         <p:nvPicPr>
-          <p:cNvPr id="13" name="Espace réservé du contenu 12">
-            <a:extLst>
-              <a:ext uri="{FF2B5EF4-FFF2-40B4-BE49-F238E27FC236}">
-                <a16:creationId xmlns:a16="http://schemas.microsoft.com/office/drawing/2014/main" id="{2B112252-A6DF-AC45-975E-6F4AAAF417B5}"/>
+          <p:cNvPr id="10" name="Espace réservé du contenu 9" descr="Une image contenant capture d’écran, carte&#10;&#10;Description générée automatiquement">
+            <a:extLst>
+              <a:ext uri="{FF2B5EF4-FFF2-40B4-BE49-F238E27FC236}">
+                <a16:creationId xmlns:a16="http://schemas.microsoft.com/office/drawing/2014/main" id="{BF0B7DCD-0A93-D145-B188-188658E61EEC}"/>
               </a:ext>
             </a:extLst>
           </p:cNvPr>
@@ -4612,80 +4612,11 @@
         </p:blipFill>
         <p:spPr>
           <a:xfrm>
-            <a:off x="6722697" y="111450"/>
-            <a:ext cx="3909191" cy="6469551"/>
+            <a:off x="2803764" y="1356359"/>
+            <a:ext cx="6250647" cy="5242299"/>
           </a:xfrm>
         </p:spPr>
       </p:pic>
-      <p:sp>
-        <p:nvSpPr>
-          <p:cNvPr id="15" name="ZoneTexte 14">
-            <a:extLst>
-              <a:ext uri="{FF2B5EF4-FFF2-40B4-BE49-F238E27FC236}">
-                <a16:creationId xmlns:a16="http://schemas.microsoft.com/office/drawing/2014/main" id="{9CFAC4B1-C1FE-1D46-916A-362E255F555D}"/>
-              </a:ext>
-            </a:extLst>
-          </p:cNvPr>
-          <p:cNvSpPr txBox="1"/>
-          <p:nvPr/>
-        </p:nvSpPr>
-        <p:spPr>
-          <a:xfrm>
-            <a:off x="838200" y="2910364"/>
-            <a:ext cx="6026009" cy="646331"/>
-          </a:xfrm>
-          <a:prstGeom prst="rect">
-            <a:avLst/>
-          </a:prstGeom>
-          <a:noFill/>
-        </p:spPr>
-        <p:txBody>
-          <a:bodyPr wrap="none" rtlCol="0">
-            <a:spAutoFit/>
-          </a:bodyPr>
-          <a:lstStyle/>
-          <a:p>
-            <a:r>
-              <a:rPr lang="fr-FR" dirty="0">
-                <a:latin typeface="Product Sans" panose="020B0503030502040203" pitchFamily="34" charset="0"/>
-              </a:rPr>
-              <a:t>Voir à ajouter un lien </a:t>
-            </a:r>
-            <a:r>
-              <a:rPr lang="fr-FR" dirty="0" err="1">
-                <a:latin typeface="Product Sans" panose="020B0503030502040203" pitchFamily="34" charset="0"/>
-              </a:rPr>
-              <a:t>StarUML</a:t>
-            </a:r>
-            <a:r>
-              <a:rPr lang="fr-FR" dirty="0">
-                <a:latin typeface="Product Sans" panose="020B0503030502040203" pitchFamily="34" charset="0"/>
-              </a:rPr>
-              <a:t> ou directement sur le fichier</a:t>
-            </a:r>
-          </a:p>
-          <a:p>
-            <a:r>
-              <a:rPr lang="fr-FR" dirty="0">
-                <a:latin typeface="Product Sans" panose="020B0503030502040203" pitchFamily="34" charset="0"/>
-              </a:rPr>
-              <a:t>.</a:t>
-            </a:r>
-            <a:r>
-              <a:rPr lang="fr-FR" dirty="0" err="1">
-                <a:latin typeface="Product Sans" panose="020B0503030502040203" pitchFamily="34" charset="0"/>
-              </a:rPr>
-              <a:t>png</a:t>
-            </a:r>
-            <a:r>
-              <a:rPr lang="fr-FR" dirty="0">
-                <a:latin typeface="Product Sans" panose="020B0503030502040203" pitchFamily="34" charset="0"/>
-              </a:rPr>
-              <a:t> pour afficher l’image en grand</a:t>
-            </a:r>
-          </a:p>
-        </p:txBody>
-      </p:sp>
     </p:spTree>
     <p:extLst>
       <p:ext uri="{BB962C8B-B14F-4D97-AF65-F5344CB8AC3E}">
@@ -4741,42 +4672,11 @@
           <a:lstStyle/>
           <a:p>
             <a:r>
-              <a:rPr lang="fr-FR" b="1" dirty="0" err="1">
-                <a:latin typeface="Product Sans" panose="020B0503030502040203" pitchFamily="34" charset="0"/>
-              </a:rPr>
-              <a:t>Algo</a:t>
-            </a:r>
-            <a:r>
               <a:rPr lang="fr-FR" b="1" dirty="0">
                 <a:latin typeface="Product Sans" panose="020B0503030502040203" pitchFamily="34" charset="0"/>
               </a:rPr>
-              <a:t> ? </a:t>
-            </a:r>
-          </a:p>
-        </p:txBody>
-      </p:sp>
-      <p:sp>
-        <p:nvSpPr>
-          <p:cNvPr id="3" name="Espace réservé du contenu 2">
-            <a:extLst>
-              <a:ext uri="{FF2B5EF4-FFF2-40B4-BE49-F238E27FC236}">
-                <a16:creationId xmlns:a16="http://schemas.microsoft.com/office/drawing/2014/main" id="{F6CD0577-8AF2-AF47-9DCF-5C5AE39BA2FD}"/>
-              </a:ext>
-            </a:extLst>
-          </p:cNvPr>
-          <p:cNvSpPr>
-            <a:spLocks noGrp="1"/>
-          </p:cNvSpPr>
-          <p:nvPr>
-            <p:ph idx="1"/>
-          </p:nvPr>
-        </p:nvSpPr>
-        <p:spPr/>
-        <p:txBody>
-          <a:bodyPr/>
-          <a:lstStyle/>
-          <a:p>
-            <a:endParaRPr lang="fr-FR" dirty="0"/>
+              <a:t>Diagramme d’activité</a:t>
+            </a:r>
           </a:p>
         </p:txBody>
       </p:sp>
@@ -4927,6 +4827,35 @@
           <a:prstGeom prst="rect">
             <a:avLst/>
           </a:prstGeom>
+        </p:spPr>
+      </p:pic>
+      <p:pic>
+        <p:nvPicPr>
+          <p:cNvPr id="9" name="Espace réservé du contenu 12">
+            <a:extLst>
+              <a:ext uri="{FF2B5EF4-FFF2-40B4-BE49-F238E27FC236}">
+                <a16:creationId xmlns:a16="http://schemas.microsoft.com/office/drawing/2014/main" id="{61DB8ACB-844C-C140-8B7F-57286446929D}"/>
+              </a:ext>
+            </a:extLst>
+          </p:cNvPr>
+          <p:cNvPicPr>
+            <a:picLocks noGrp="1" noChangeAspect="1"/>
+          </p:cNvPicPr>
+          <p:nvPr>
+            <p:ph idx="1"/>
+          </p:nvPr>
+        </p:nvPicPr>
+        <p:blipFill>
+          <a:blip r:embed="rId5"/>
+          <a:stretch>
+            <a:fillRect/>
+          </a:stretch>
+        </p:blipFill>
+        <p:spPr>
+          <a:xfrm>
+            <a:off x="6421333" y="306054"/>
+            <a:ext cx="3720613" cy="6157463"/>
+          </a:xfrm>
         </p:spPr>
       </p:pic>
     </p:spTree>
@@ -5013,32 +4942,34 @@
           <a:bodyPr/>
           <a:lstStyle/>
           <a:p>
-            <a:r>
-              <a:rPr lang="fr-FR" dirty="0"/>
-              <a:t>Insérer un hyperlien</a:t>
-            </a:r>
-          </a:p>
-          <a:p>
-            <a:endParaRPr lang="fr-FR" dirty="0"/>
+            <a:endParaRPr lang="fr-FR" dirty="0">
+              <a:latin typeface="Product Sans" panose="020B0503030502040203" pitchFamily="34" charset="0"/>
+            </a:endParaRPr>
           </a:p>
           <a:p>
             <a:pPr marL="0" indent="0">
               <a:buNone/>
             </a:pPr>
-            <a:endParaRPr lang="fr-FR" dirty="0"/>
+            <a:endParaRPr lang="fr-FR" dirty="0">
+              <a:latin typeface="Product Sans" panose="020B0503030502040203" pitchFamily="34" charset="0"/>
+            </a:endParaRPr>
           </a:p>
           <a:p>
             <a:pPr marL="0" indent="0">
               <a:buNone/>
             </a:pPr>
-            <a:endParaRPr lang="fr-FR" dirty="0"/>
+            <a:endParaRPr lang="fr-FR" dirty="0">
+              <a:latin typeface="Product Sans" panose="020B0503030502040203" pitchFamily="34" charset="0"/>
+            </a:endParaRPr>
           </a:p>
           <a:p>
             <a:pPr marL="0" indent="0" algn="ctr">
               <a:buNone/>
             </a:pPr>
             <a:r>
-              <a:rPr lang="fr-FR" dirty="0"/>
+              <a:rPr lang="fr-FR" dirty="0">
+                <a:latin typeface="Product Sans" panose="020B0503030502040203" pitchFamily="34" charset="0"/>
+              </a:rPr>
               <a:t>Démonstration</a:t>
             </a:r>
           </a:p>
@@ -5203,13 +5134,13 @@
   <p:clrMapOvr>
     <a:masterClrMapping/>
   </p:clrMapOvr>
-  <mc:AlternateContent xmlns:mc="http://schemas.openxmlformats.org/markup-compatibility/2006">
-    <mc:Choice xmlns:p14="http://schemas.microsoft.com/office/powerpoint/2010/main" Requires="p14">
+  <mc:AlternateContent xmlns:mc="http://schemas.openxmlformats.org/markup-compatibility/2006" xmlns:p14="http://schemas.microsoft.com/office/powerpoint/2010/main">
+    <mc:Choice Requires="p14">
       <p:transition spd="slow" p14:dur="3400">
         <p14:reveal/>
       </p:transition>
     </mc:Choice>
-    <mc:Fallback>
+    <mc:Fallback xmlns="">
       <p:transition spd="slow">
         <p:fade/>
       </p:transition>
@@ -5289,69 +5220,65 @@
         </p:nvSpPr>
         <p:spPr/>
         <p:txBody>
-          <a:bodyPr/>
-          <a:lstStyle/>
-          <a:p>
-            <a:r>
-              <a:rPr lang="fr-FR" dirty="0">
+          <a:bodyPr>
+            <a:normAutofit/>
+          </a:bodyPr>
+          <a:lstStyle/>
+          <a:p>
+            <a:r>
+              <a:rPr lang="fr-FR" sz="2400" dirty="0">
                 <a:latin typeface="Product Sans" panose="020B0503030502040203" pitchFamily="34" charset="0"/>
               </a:rPr>
-              <a:t>Créer de nouvelles formes (ronds, triangles…)</a:t>
-            </a:r>
-          </a:p>
-          <a:p>
-            <a:r>
-              <a:rPr lang="fr-FR" dirty="0">
+              <a:t>Ajouter de nouveaux éléments</a:t>
+            </a:r>
+          </a:p>
+          <a:p>
+            <a:r>
+              <a:rPr lang="fr-FR" sz="2400" dirty="0">
                 <a:latin typeface="Product Sans" panose="020B0503030502040203" pitchFamily="34" charset="0"/>
               </a:rPr>
-              <a:t>Insérer des « images » dans des boutons</a:t>
-            </a:r>
-          </a:p>
-          <a:p>
-            <a:r>
-              <a:rPr lang="fr-FR" dirty="0">
+              <a:t>Améliorer l’interface utilisateur</a:t>
+            </a:r>
+          </a:p>
+          <a:p>
+            <a:r>
+              <a:rPr lang="fr-FR" sz="2400" dirty="0">
                 <a:latin typeface="Product Sans" panose="020B0503030502040203" pitchFamily="34" charset="0"/>
               </a:rPr>
-              <a:t>Lister les autres améliorations</a:t>
-            </a:r>
-          </a:p>
-          <a:p>
-            <a:r>
-              <a:rPr lang="fr-FR" dirty="0">
+              <a:t>Améliorer l’algorithme d’interprétation des phrases</a:t>
+            </a:r>
+          </a:p>
+          <a:p>
+            <a:r>
+              <a:rPr lang="fr-FR" sz="2400" dirty="0">
                 <a:latin typeface="Product Sans" panose="020B0503030502040203" pitchFamily="34" charset="0"/>
               </a:rPr>
-              <a:t>A</a:t>
-            </a:r>
-          </a:p>
-          <a:p>
-            <a:r>
-              <a:rPr lang="fr-FR" dirty="0">
+              <a:t>Créer des éléments complexes (barre de menus, authentification..)</a:t>
+            </a:r>
+          </a:p>
+          <a:p>
+            <a:r>
+              <a:rPr lang="fr-FR" sz="2400" dirty="0">
                 <a:latin typeface="Product Sans" panose="020B0503030502040203" pitchFamily="34" charset="0"/>
               </a:rPr>
-              <a:t>A</a:t>
-            </a:r>
-          </a:p>
-          <a:p>
-            <a:r>
-              <a:rPr lang="fr-FR" dirty="0">
+              <a:t>Gérer la persistance</a:t>
+            </a:r>
+          </a:p>
+          <a:p>
+            <a:r>
+              <a:rPr lang="fr-FR" sz="2400" dirty="0">
                 <a:latin typeface="Product Sans" panose="020B0503030502040203" pitchFamily="34" charset="0"/>
               </a:rPr>
-              <a:t>A</a:t>
-            </a:r>
-          </a:p>
-          <a:p>
-            <a:r>
-              <a:rPr lang="fr-FR" dirty="0">
+              <a:t>Affiner la gestion des styles CSS</a:t>
+            </a:r>
+          </a:p>
+          <a:p>
+            <a:r>
+              <a:rPr lang="fr-FR" sz="2400" dirty="0">
                 <a:latin typeface="Product Sans" panose="020B0503030502040203" pitchFamily="34" charset="0"/>
               </a:rPr>
-              <a:t>A</a:t>
-            </a:r>
-          </a:p>
-          <a:p>
-            <a:endParaRPr lang="fr-FR" dirty="0"/>
-          </a:p>
-          <a:p>
-            <a:endParaRPr lang="fr-FR" dirty="0"/>
+              <a:t>Ajouter une fonction « mode » développeur / client</a:t>
+            </a:r>
           </a:p>
         </p:txBody>
       </p:sp>
@@ -5514,13 +5441,13 @@
   <p:clrMapOvr>
     <a:masterClrMapping/>
   </p:clrMapOvr>
-  <mc:AlternateContent xmlns:mc="http://schemas.openxmlformats.org/markup-compatibility/2006">
-    <mc:Choice xmlns:p14="http://schemas.microsoft.com/office/powerpoint/2010/main" Requires="p14">
+  <mc:AlternateContent xmlns:mc="http://schemas.openxmlformats.org/markup-compatibility/2006" xmlns:p14="http://schemas.microsoft.com/office/powerpoint/2010/main">
+    <mc:Choice Requires="p14">
       <p:transition spd="med" p14:dur="700">
         <p:fade/>
       </p:transition>
     </mc:Choice>
-    <mc:Fallback>
+    <mc:Fallback xmlns="">
       <p:transition spd="med">
         <p:fade/>
       </p:transition>
@@ -5638,9 +5565,13 @@
             <a:r>
               <a:rPr lang="fr-FR" dirty="0">
                 <a:latin typeface="Product Sans" panose="020B0503030502040203" pitchFamily="34" charset="0"/>
+                <a:hlinkClick r:id="rId3"/>
               </a:rPr>
-              <a:t>Ajouter les sources manquantes</a:t>
-            </a:r>
+              <a:t>https://openclassrooms.com/</a:t>
+            </a:r>
+            <a:endParaRPr lang="fr-FR" dirty="0">
+              <a:latin typeface="Product Sans" panose="020B0503030502040203" pitchFamily="34" charset="0"/>
+            </a:endParaRPr>
           </a:p>
           <a:p>
             <a:pPr marL="0" indent="0">
@@ -5673,7 +5604,7 @@
           <p:nvPr/>
         </p:nvPicPr>
         <p:blipFill>
-          <a:blip r:embed="rId3"/>
+          <a:blip r:embed="rId4"/>
           <a:stretch>
             <a:fillRect/>
           </a:stretch>
@@ -5703,7 +5634,7 @@
           <p:nvPr/>
         </p:nvPicPr>
         <p:blipFill>
-          <a:blip r:embed="rId4"/>
+          <a:blip r:embed="rId5"/>
           <a:stretch>
             <a:fillRect/>
           </a:stretch>
@@ -5792,7 +5723,7 @@
           <p:nvPr/>
         </p:nvPicPr>
         <p:blipFill>
-          <a:blip r:embed="rId5"/>
+          <a:blip r:embed="rId6"/>
           <a:stretch>
             <a:fillRect/>
           </a:stretch>
@@ -5817,13 +5748,13 @@
   <p:clrMapOvr>
     <a:masterClrMapping/>
   </p:clrMapOvr>
-  <mc:AlternateContent xmlns:mc="http://schemas.openxmlformats.org/markup-compatibility/2006">
-    <mc:Choice xmlns:p14="http://schemas.microsoft.com/office/powerpoint/2010/main" Requires="p14">
+  <mc:AlternateContent xmlns:mc="http://schemas.openxmlformats.org/markup-compatibility/2006" xmlns:p14="http://schemas.microsoft.com/office/powerpoint/2010/main">
+    <mc:Choice Requires="p14">
       <p:transition spd="med" p14:dur="700">
         <p:fade/>
       </p:transition>
     </mc:Choice>
-    <mc:Fallback>
+    <mc:Fallback xmlns="">
       <p:transition spd="med">
         <p:fade/>
       </p:transition>
